--- a/dev/20230130/Consept for UI .pptx
+++ b/dev/20230130/Consept for UI .pptx
@@ -5,7 +5,7 @@
     <p:sldMasterId id="2147483648" r:id="rId1"/>
   </p:sldMasterIdLst>
   <p:notesMasterIdLst>
-    <p:notesMasterId r:id="rId11"/>
+    <p:notesMasterId r:id="rId12"/>
   </p:notesMasterIdLst>
   <p:sldIdLst>
     <p:sldId id="256" r:id="rId2"/>
@@ -17,6 +17,7 @@
     <p:sldId id="262" r:id="rId8"/>
     <p:sldId id="263" r:id="rId9"/>
     <p:sldId id="264" r:id="rId10"/>
+    <p:sldId id="265" r:id="rId11"/>
   </p:sldIdLst>
   <p:sldSz cx="12192000" cy="6858000"/>
   <p:notesSz cx="6858000" cy="9144000"/>
@@ -213,7 +214,7 @@
           <a:p>
             <a:fld id="{DE0AC873-FFDF-430D-9584-A0F63408D93D}" type="datetimeFigureOut">
               <a:rPr lang="en-GB" smtClean="0"/>
-              <a:t>30/01/2023</a:t>
+              <a:t>27/02/2023</a:t>
             </a:fld>
             <a:endParaRPr lang="en-GB"/>
           </a:p>
@@ -897,7 +898,7 @@
           <a:p>
             <a:fld id="{0A09E681-82B4-4476-A87B-C0763714BAAD}" type="datetimeFigureOut">
               <a:rPr lang="en-GB" smtClean="0"/>
-              <a:t>30/01/2023</a:t>
+              <a:t>27/02/2023</a:t>
             </a:fld>
             <a:endParaRPr lang="en-GB"/>
           </a:p>
@@ -1095,7 +1096,7 @@
           <a:p>
             <a:fld id="{0A09E681-82B4-4476-A87B-C0763714BAAD}" type="datetimeFigureOut">
               <a:rPr lang="en-GB" smtClean="0"/>
-              <a:t>30/01/2023</a:t>
+              <a:t>27/02/2023</a:t>
             </a:fld>
             <a:endParaRPr lang="en-GB"/>
           </a:p>
@@ -1303,7 +1304,7 @@
           <a:p>
             <a:fld id="{0A09E681-82B4-4476-A87B-C0763714BAAD}" type="datetimeFigureOut">
               <a:rPr lang="en-GB" smtClean="0"/>
-              <a:t>30/01/2023</a:t>
+              <a:t>27/02/2023</a:t>
             </a:fld>
             <a:endParaRPr lang="en-GB"/>
           </a:p>
@@ -1501,7 +1502,7 @@
           <a:p>
             <a:fld id="{0A09E681-82B4-4476-A87B-C0763714BAAD}" type="datetimeFigureOut">
               <a:rPr lang="en-GB" smtClean="0"/>
-              <a:t>30/01/2023</a:t>
+              <a:t>27/02/2023</a:t>
             </a:fld>
             <a:endParaRPr lang="en-GB"/>
           </a:p>
@@ -1776,7 +1777,7 @@
           <a:p>
             <a:fld id="{0A09E681-82B4-4476-A87B-C0763714BAAD}" type="datetimeFigureOut">
               <a:rPr lang="en-GB" smtClean="0"/>
-              <a:t>30/01/2023</a:t>
+              <a:t>27/02/2023</a:t>
             </a:fld>
             <a:endParaRPr lang="en-GB"/>
           </a:p>
@@ -2041,7 +2042,7 @@
           <a:p>
             <a:fld id="{0A09E681-82B4-4476-A87B-C0763714BAAD}" type="datetimeFigureOut">
               <a:rPr lang="en-GB" smtClean="0"/>
-              <a:t>30/01/2023</a:t>
+              <a:t>27/02/2023</a:t>
             </a:fld>
             <a:endParaRPr lang="en-GB"/>
           </a:p>
@@ -2453,7 +2454,7 @@
           <a:p>
             <a:fld id="{0A09E681-82B4-4476-A87B-C0763714BAAD}" type="datetimeFigureOut">
               <a:rPr lang="en-GB" smtClean="0"/>
-              <a:t>30/01/2023</a:t>
+              <a:t>27/02/2023</a:t>
             </a:fld>
             <a:endParaRPr lang="en-GB"/>
           </a:p>
@@ -2594,7 +2595,7 @@
           <a:p>
             <a:fld id="{0A09E681-82B4-4476-A87B-C0763714BAAD}" type="datetimeFigureOut">
               <a:rPr lang="en-GB" smtClean="0"/>
-              <a:t>30/01/2023</a:t>
+              <a:t>27/02/2023</a:t>
             </a:fld>
             <a:endParaRPr lang="en-GB"/>
           </a:p>
@@ -2707,7 +2708,7 @@
           <a:p>
             <a:fld id="{0A09E681-82B4-4476-A87B-C0763714BAAD}" type="datetimeFigureOut">
               <a:rPr lang="en-GB" smtClean="0"/>
-              <a:t>30/01/2023</a:t>
+              <a:t>27/02/2023</a:t>
             </a:fld>
             <a:endParaRPr lang="en-GB"/>
           </a:p>
@@ -3018,7 +3019,7 @@
           <a:p>
             <a:fld id="{0A09E681-82B4-4476-A87B-C0763714BAAD}" type="datetimeFigureOut">
               <a:rPr lang="en-GB" smtClean="0"/>
-              <a:t>30/01/2023</a:t>
+              <a:t>27/02/2023</a:t>
             </a:fld>
             <a:endParaRPr lang="en-GB"/>
           </a:p>
@@ -3306,7 +3307,7 @@
           <a:p>
             <a:fld id="{0A09E681-82B4-4476-A87B-C0763714BAAD}" type="datetimeFigureOut">
               <a:rPr lang="en-GB" smtClean="0"/>
-              <a:t>30/01/2023</a:t>
+              <a:t>27/02/2023</a:t>
             </a:fld>
             <a:endParaRPr lang="en-GB"/>
           </a:p>
@@ -3547,7 +3548,7 @@
           <a:p>
             <a:fld id="{0A09E681-82B4-4476-A87B-C0763714BAAD}" type="datetimeFigureOut">
               <a:rPr lang="en-GB" smtClean="0"/>
-              <a:t>30/01/2023</a:t>
+              <a:t>27/02/2023</a:t>
             </a:fld>
             <a:endParaRPr lang="en-GB"/>
           </a:p>
@@ -4061,6 +4062,651 @@
     <p:extLst>
       <p:ext uri="{BB962C8B-B14F-4D97-AF65-F5344CB8AC3E}">
         <p14:creationId xmlns:p14="http://schemas.microsoft.com/office/powerpoint/2010/main" val="857338263"/>
+      </p:ext>
+    </p:extLst>
+  </p:cSld>
+  <p:clrMapOvr>
+    <a:masterClrMapping/>
+  </p:clrMapOvr>
+</p:sld>
+</file>
+
+<file path=ppt/slides/slide10.xml><?xml version="1.0" encoding="utf-8"?>
+<p:sld xmlns:a="http://schemas.openxmlformats.org/drawingml/2006/main" xmlns:r="http://schemas.openxmlformats.org/officeDocument/2006/relationships" xmlns:p="http://schemas.openxmlformats.org/presentationml/2006/main">
+  <p:cSld>
+    <p:spTree>
+      <p:nvGrpSpPr>
+        <p:cNvPr id="1" name=""/>
+        <p:cNvGrpSpPr/>
+        <p:nvPr/>
+      </p:nvGrpSpPr>
+      <p:grpSpPr>
+        <a:xfrm>
+          <a:off x="0" y="0"/>
+          <a:ext cx="0" cy="0"/>
+          <a:chOff x="0" y="0"/>
+          <a:chExt cx="0" cy="0"/>
+        </a:xfrm>
+      </p:grpSpPr>
+      <p:sp>
+        <p:nvSpPr>
+          <p:cNvPr id="4" name="Rectangle 3">
+            <a:extLst>
+              <a:ext uri="{FF2B5EF4-FFF2-40B4-BE49-F238E27FC236}">
+                <a16:creationId xmlns:a16="http://schemas.microsoft.com/office/drawing/2014/main" id="{D8D554EC-1A6A-44E7-D282-E16175792D79}"/>
+              </a:ext>
+            </a:extLst>
+          </p:cNvPr>
+          <p:cNvSpPr/>
+          <p:nvPr/>
+        </p:nvSpPr>
+        <p:spPr>
+          <a:xfrm>
+            <a:off x="613533" y="129786"/>
+            <a:ext cx="11167479" cy="6471592"/>
+          </a:xfrm>
+          <a:prstGeom prst="rect">
+            <a:avLst/>
+          </a:prstGeom>
+          <a:solidFill>
+            <a:schemeClr val="accent3">
+              <a:alpha val="50000"/>
+            </a:schemeClr>
+          </a:solidFill>
+          <a:ln>
+            <a:noFill/>
+          </a:ln>
+        </p:spPr>
+        <p:style>
+          <a:lnRef idx="0">
+            <a:scrgbClr r="0" g="0" b="0"/>
+          </a:lnRef>
+          <a:fillRef idx="0">
+            <a:scrgbClr r="0" g="0" b="0"/>
+          </a:fillRef>
+          <a:effectRef idx="0">
+            <a:scrgbClr r="0" g="0" b="0"/>
+          </a:effectRef>
+          <a:fontRef idx="minor">
+            <a:schemeClr val="lt1"/>
+          </a:fontRef>
+        </p:style>
+        <p:txBody>
+          <a:bodyPr rtlCol="0" anchor="ctr"/>
+          <a:lstStyle/>
+          <a:p>
+            <a:pPr algn="ctr"/>
+            <a:endParaRPr lang="en-GB"/>
+          </a:p>
+        </p:txBody>
+      </p:sp>
+      <p:sp>
+        <p:nvSpPr>
+          <p:cNvPr id="5" name="Rectangle: Rounded Corners 4">
+            <a:extLst>
+              <a:ext uri="{FF2B5EF4-FFF2-40B4-BE49-F238E27FC236}">
+                <a16:creationId xmlns:a16="http://schemas.microsoft.com/office/drawing/2014/main" id="{A5579AB8-2BF9-B2BD-EBA1-BC9C3C63E3EC}"/>
+              </a:ext>
+            </a:extLst>
+          </p:cNvPr>
+          <p:cNvSpPr/>
+          <p:nvPr/>
+        </p:nvSpPr>
+        <p:spPr>
+          <a:xfrm>
+            <a:off x="765943" y="256622"/>
+            <a:ext cx="8651325" cy="5429476"/>
+          </a:xfrm>
+          <a:prstGeom prst="roundRect">
+            <a:avLst>
+              <a:gd name="adj" fmla="val 5299"/>
+            </a:avLst>
+          </a:prstGeom>
+          <a:solidFill>
+            <a:schemeClr val="accent2">
+              <a:alpha val="50000"/>
+            </a:schemeClr>
+          </a:solidFill>
+          <a:ln>
+            <a:noFill/>
+          </a:ln>
+        </p:spPr>
+        <p:style>
+          <a:lnRef idx="0">
+            <a:scrgbClr r="0" g="0" b="0"/>
+          </a:lnRef>
+          <a:fillRef idx="0">
+            <a:scrgbClr r="0" g="0" b="0"/>
+          </a:fillRef>
+          <a:effectRef idx="0">
+            <a:scrgbClr r="0" g="0" b="0"/>
+          </a:effectRef>
+          <a:fontRef idx="minor">
+            <a:schemeClr val="lt1"/>
+          </a:fontRef>
+        </p:style>
+        <p:txBody>
+          <a:bodyPr rtlCol="0" anchor="ctr"/>
+          <a:lstStyle/>
+          <a:p>
+            <a:pPr algn="ctr"/>
+            <a:endParaRPr lang="en-GB" dirty="0"/>
+          </a:p>
+        </p:txBody>
+      </p:sp>
+      <p:sp>
+        <p:nvSpPr>
+          <p:cNvPr id="6" name="Rectangle: Rounded Corners 5">
+            <a:extLst>
+              <a:ext uri="{FF2B5EF4-FFF2-40B4-BE49-F238E27FC236}">
+                <a16:creationId xmlns:a16="http://schemas.microsoft.com/office/drawing/2014/main" id="{85FA8B02-BA13-2513-F3FF-25F07A59291A}"/>
+              </a:ext>
+            </a:extLst>
+          </p:cNvPr>
+          <p:cNvSpPr/>
+          <p:nvPr/>
+        </p:nvSpPr>
+        <p:spPr>
+          <a:xfrm>
+            <a:off x="9569678" y="256621"/>
+            <a:ext cx="2112570" cy="5429476"/>
+          </a:xfrm>
+          <a:prstGeom prst="roundRect">
+            <a:avLst>
+              <a:gd name="adj" fmla="val 11692"/>
+            </a:avLst>
+          </a:prstGeom>
+          <a:solidFill>
+            <a:schemeClr val="accent2">
+              <a:alpha val="50000"/>
+            </a:schemeClr>
+          </a:solidFill>
+          <a:ln>
+            <a:noFill/>
+          </a:ln>
+        </p:spPr>
+        <p:style>
+          <a:lnRef idx="0">
+            <a:scrgbClr r="0" g="0" b="0"/>
+          </a:lnRef>
+          <a:fillRef idx="0">
+            <a:scrgbClr r="0" g="0" b="0"/>
+          </a:fillRef>
+          <a:effectRef idx="0">
+            <a:scrgbClr r="0" g="0" b="0"/>
+          </a:effectRef>
+          <a:fontRef idx="minor">
+            <a:schemeClr val="lt1"/>
+          </a:fontRef>
+        </p:style>
+        <p:txBody>
+          <a:bodyPr rtlCol="0" anchor="ctr"/>
+          <a:lstStyle/>
+          <a:p>
+            <a:pPr algn="ctr"/>
+            <a:endParaRPr lang="en-GB" dirty="0"/>
+          </a:p>
+        </p:txBody>
+      </p:sp>
+      <p:sp>
+        <p:nvSpPr>
+          <p:cNvPr id="7" name="Rectangle: Rounded Corners 6">
+            <a:extLst>
+              <a:ext uri="{FF2B5EF4-FFF2-40B4-BE49-F238E27FC236}">
+                <a16:creationId xmlns:a16="http://schemas.microsoft.com/office/drawing/2014/main" id="{196A0EBE-6B53-CC42-2119-6097D5C97458}"/>
+              </a:ext>
+            </a:extLst>
+          </p:cNvPr>
+          <p:cNvSpPr/>
+          <p:nvPr/>
+        </p:nvSpPr>
+        <p:spPr>
+          <a:xfrm>
+            <a:off x="765943" y="5812932"/>
+            <a:ext cx="10916305" cy="666696"/>
+          </a:xfrm>
+          <a:prstGeom prst="roundRect">
+            <a:avLst>
+              <a:gd name="adj" fmla="val 29033"/>
+            </a:avLst>
+          </a:prstGeom>
+          <a:solidFill>
+            <a:schemeClr val="accent2">
+              <a:alpha val="50000"/>
+            </a:schemeClr>
+          </a:solidFill>
+          <a:ln>
+            <a:noFill/>
+          </a:ln>
+        </p:spPr>
+        <p:style>
+          <a:lnRef idx="0">
+            <a:scrgbClr r="0" g="0" b="0"/>
+          </a:lnRef>
+          <a:fillRef idx="0">
+            <a:scrgbClr r="0" g="0" b="0"/>
+          </a:fillRef>
+          <a:effectRef idx="0">
+            <a:scrgbClr r="0" g="0" b="0"/>
+          </a:effectRef>
+          <a:fontRef idx="minor">
+            <a:schemeClr val="lt1"/>
+          </a:fontRef>
+        </p:style>
+        <p:txBody>
+          <a:bodyPr rtlCol="0" anchor="ctr"/>
+          <a:lstStyle/>
+          <a:p>
+            <a:pPr algn="ctr"/>
+            <a:endParaRPr lang="en-GB" dirty="0"/>
+          </a:p>
+        </p:txBody>
+      </p:sp>
+      <p:sp>
+        <p:nvSpPr>
+          <p:cNvPr id="8" name="Rectangle: Rounded Corners 7">
+            <a:extLst>
+              <a:ext uri="{FF2B5EF4-FFF2-40B4-BE49-F238E27FC236}">
+                <a16:creationId xmlns:a16="http://schemas.microsoft.com/office/drawing/2014/main" id="{9712A587-BECF-5345-5064-1F61136F8657}"/>
+              </a:ext>
+            </a:extLst>
+          </p:cNvPr>
+          <p:cNvSpPr/>
+          <p:nvPr/>
+        </p:nvSpPr>
+        <p:spPr>
+          <a:xfrm>
+            <a:off x="978811" y="5909254"/>
+            <a:ext cx="1301933" cy="474051"/>
+          </a:xfrm>
+          <a:prstGeom prst="roundRect">
+            <a:avLst/>
+          </a:prstGeom>
+          <a:solidFill>
+            <a:schemeClr val="bg2">
+              <a:lumMod val="50000"/>
+            </a:schemeClr>
+          </a:solidFill>
+          <a:ln>
+            <a:noFill/>
+          </a:ln>
+        </p:spPr>
+        <p:style>
+          <a:lnRef idx="2">
+            <a:schemeClr val="accent1">
+              <a:shade val="50000"/>
+            </a:schemeClr>
+          </a:lnRef>
+          <a:fillRef idx="1">
+            <a:schemeClr val="accent1"/>
+          </a:fillRef>
+          <a:effectRef idx="0">
+            <a:schemeClr val="accent1"/>
+          </a:effectRef>
+          <a:fontRef idx="minor">
+            <a:schemeClr val="lt1"/>
+          </a:fontRef>
+        </p:style>
+        <p:txBody>
+          <a:bodyPr rtlCol="0" anchor="ctr"/>
+          <a:lstStyle/>
+          <a:p>
+            <a:pPr algn="ctr"/>
+            <a:r>
+              <a:rPr lang="en-GB" dirty="0"/>
+              <a:t>Exit</a:t>
+            </a:r>
+          </a:p>
+        </p:txBody>
+      </p:sp>
+      <p:sp>
+        <p:nvSpPr>
+          <p:cNvPr id="9" name="Rectangle: Rounded Corners 8">
+            <a:extLst>
+              <a:ext uri="{FF2B5EF4-FFF2-40B4-BE49-F238E27FC236}">
+                <a16:creationId xmlns:a16="http://schemas.microsoft.com/office/drawing/2014/main" id="{CA369B32-85C7-8734-28A9-44C56560ACC3}"/>
+              </a:ext>
+            </a:extLst>
+          </p:cNvPr>
+          <p:cNvSpPr/>
+          <p:nvPr/>
+        </p:nvSpPr>
+        <p:spPr>
+          <a:xfrm>
+            <a:off x="10124124" y="5909253"/>
+            <a:ext cx="1301933" cy="474051"/>
+          </a:xfrm>
+          <a:prstGeom prst="roundRect">
+            <a:avLst/>
+          </a:prstGeom>
+          <a:solidFill>
+            <a:schemeClr val="bg2">
+              <a:lumMod val="50000"/>
+            </a:schemeClr>
+          </a:solidFill>
+          <a:ln>
+            <a:noFill/>
+          </a:ln>
+        </p:spPr>
+        <p:style>
+          <a:lnRef idx="2">
+            <a:schemeClr val="accent1">
+              <a:shade val="50000"/>
+            </a:schemeClr>
+          </a:lnRef>
+          <a:fillRef idx="1">
+            <a:schemeClr val="accent1"/>
+          </a:fillRef>
+          <a:effectRef idx="0">
+            <a:schemeClr val="accent1"/>
+          </a:effectRef>
+          <a:fontRef idx="minor">
+            <a:schemeClr val="lt1"/>
+          </a:fontRef>
+        </p:style>
+        <p:txBody>
+          <a:bodyPr rtlCol="0" anchor="ctr"/>
+          <a:lstStyle/>
+          <a:p>
+            <a:pPr algn="ctr"/>
+            <a:r>
+              <a:rPr lang="en-GB" dirty="0"/>
+              <a:t>Next</a:t>
+            </a:r>
+          </a:p>
+        </p:txBody>
+      </p:sp>
+      <p:sp>
+        <p:nvSpPr>
+          <p:cNvPr id="10" name="Rectangle: Rounded Corners 9">
+            <a:extLst>
+              <a:ext uri="{FF2B5EF4-FFF2-40B4-BE49-F238E27FC236}">
+                <a16:creationId xmlns:a16="http://schemas.microsoft.com/office/drawing/2014/main" id="{BEE30118-53A6-CD00-F408-B9730F5884CE}"/>
+              </a:ext>
+            </a:extLst>
+          </p:cNvPr>
+          <p:cNvSpPr/>
+          <p:nvPr/>
+        </p:nvSpPr>
+        <p:spPr>
+          <a:xfrm>
+            <a:off x="9959337" y="474696"/>
+            <a:ext cx="1333252" cy="946725"/>
+          </a:xfrm>
+          <a:prstGeom prst="roundRect">
+            <a:avLst/>
+          </a:prstGeom>
+          <a:solidFill>
+            <a:schemeClr val="bg2">
+              <a:lumMod val="50000"/>
+            </a:schemeClr>
+          </a:solidFill>
+          <a:ln>
+            <a:noFill/>
+          </a:ln>
+        </p:spPr>
+        <p:style>
+          <a:lnRef idx="2">
+            <a:schemeClr val="accent1">
+              <a:shade val="50000"/>
+            </a:schemeClr>
+          </a:lnRef>
+          <a:fillRef idx="1">
+            <a:schemeClr val="accent1"/>
+          </a:fillRef>
+          <a:effectRef idx="0">
+            <a:schemeClr val="accent1"/>
+          </a:effectRef>
+          <a:fontRef idx="minor">
+            <a:schemeClr val="lt1"/>
+          </a:fontRef>
+        </p:style>
+        <p:txBody>
+          <a:bodyPr rtlCol="0" anchor="ctr"/>
+          <a:lstStyle/>
+          <a:p>
+            <a:pPr algn="ctr"/>
+            <a:r>
+              <a:rPr lang="en-GB" dirty="0"/>
+              <a:t>Frame</a:t>
+            </a:r>
+          </a:p>
+        </p:txBody>
+      </p:sp>
+      <p:sp>
+        <p:nvSpPr>
+          <p:cNvPr id="11" name="Rectangle: Rounded Corners 10">
+            <a:extLst>
+              <a:ext uri="{FF2B5EF4-FFF2-40B4-BE49-F238E27FC236}">
+                <a16:creationId xmlns:a16="http://schemas.microsoft.com/office/drawing/2014/main" id="{682D700A-36DB-AEB1-E7C2-1F0AF4FFE1D2}"/>
+              </a:ext>
+            </a:extLst>
+          </p:cNvPr>
+          <p:cNvSpPr/>
+          <p:nvPr/>
+        </p:nvSpPr>
+        <p:spPr>
+          <a:xfrm>
+            <a:off x="9959337" y="1517742"/>
+            <a:ext cx="1333252" cy="946725"/>
+          </a:xfrm>
+          <a:prstGeom prst="roundRect">
+            <a:avLst/>
+          </a:prstGeom>
+          <a:solidFill>
+            <a:schemeClr val="bg2">
+              <a:lumMod val="50000"/>
+            </a:schemeClr>
+          </a:solidFill>
+          <a:ln>
+            <a:noFill/>
+          </a:ln>
+        </p:spPr>
+        <p:style>
+          <a:lnRef idx="2">
+            <a:schemeClr val="accent1">
+              <a:shade val="50000"/>
+            </a:schemeClr>
+          </a:lnRef>
+          <a:fillRef idx="1">
+            <a:schemeClr val="accent1"/>
+          </a:fillRef>
+          <a:effectRef idx="0">
+            <a:schemeClr val="accent1"/>
+          </a:effectRef>
+          <a:fontRef idx="minor">
+            <a:schemeClr val="lt1"/>
+          </a:fontRef>
+        </p:style>
+        <p:txBody>
+          <a:bodyPr rtlCol="0" anchor="ctr"/>
+          <a:lstStyle/>
+          <a:p>
+            <a:pPr algn="ctr"/>
+            <a:r>
+              <a:rPr lang="en-GB" dirty="0"/>
+              <a:t>Frame</a:t>
+            </a:r>
+          </a:p>
+        </p:txBody>
+      </p:sp>
+      <p:sp>
+        <p:nvSpPr>
+          <p:cNvPr id="12" name="Rectangle: Rounded Corners 11">
+            <a:extLst>
+              <a:ext uri="{FF2B5EF4-FFF2-40B4-BE49-F238E27FC236}">
+                <a16:creationId xmlns:a16="http://schemas.microsoft.com/office/drawing/2014/main" id="{F923FD30-A9BB-47B5-7118-3601646C1146}"/>
+              </a:ext>
+            </a:extLst>
+          </p:cNvPr>
+          <p:cNvSpPr/>
+          <p:nvPr/>
+        </p:nvSpPr>
+        <p:spPr>
+          <a:xfrm>
+            <a:off x="9959337" y="2558873"/>
+            <a:ext cx="1333252" cy="946725"/>
+          </a:xfrm>
+          <a:prstGeom prst="roundRect">
+            <a:avLst/>
+          </a:prstGeom>
+          <a:solidFill>
+            <a:schemeClr val="bg2">
+              <a:lumMod val="50000"/>
+            </a:schemeClr>
+          </a:solidFill>
+          <a:ln>
+            <a:noFill/>
+          </a:ln>
+        </p:spPr>
+        <p:style>
+          <a:lnRef idx="2">
+            <a:schemeClr val="accent1">
+              <a:shade val="50000"/>
+            </a:schemeClr>
+          </a:lnRef>
+          <a:fillRef idx="1">
+            <a:schemeClr val="accent1"/>
+          </a:fillRef>
+          <a:effectRef idx="0">
+            <a:schemeClr val="accent1"/>
+          </a:effectRef>
+          <a:fontRef idx="minor">
+            <a:schemeClr val="lt1"/>
+          </a:fontRef>
+        </p:style>
+        <p:txBody>
+          <a:bodyPr rtlCol="0" anchor="ctr"/>
+          <a:lstStyle/>
+          <a:p>
+            <a:pPr algn="ctr"/>
+            <a:r>
+              <a:rPr lang="en-GB" dirty="0"/>
+              <a:t>Frame</a:t>
+            </a:r>
+          </a:p>
+        </p:txBody>
+      </p:sp>
+      <p:sp>
+        <p:nvSpPr>
+          <p:cNvPr id="13" name="Rectangle: Rounded Corners 12">
+            <a:extLst>
+              <a:ext uri="{FF2B5EF4-FFF2-40B4-BE49-F238E27FC236}">
+                <a16:creationId xmlns:a16="http://schemas.microsoft.com/office/drawing/2014/main" id="{30C3304D-7A31-8377-7211-2CFF92679FDD}"/>
+              </a:ext>
+            </a:extLst>
+          </p:cNvPr>
+          <p:cNvSpPr/>
+          <p:nvPr/>
+        </p:nvSpPr>
+        <p:spPr>
+          <a:xfrm>
+            <a:off x="978811" y="378371"/>
+            <a:ext cx="8291313" cy="4456387"/>
+          </a:xfrm>
+          <a:prstGeom prst="roundRect">
+            <a:avLst>
+              <a:gd name="adj" fmla="val 6814"/>
+            </a:avLst>
+          </a:prstGeom>
+          <a:solidFill>
+            <a:schemeClr val="bg2">
+              <a:lumMod val="50000"/>
+            </a:schemeClr>
+          </a:solidFill>
+          <a:ln>
+            <a:noFill/>
+          </a:ln>
+        </p:spPr>
+        <p:style>
+          <a:lnRef idx="2">
+            <a:schemeClr val="accent1">
+              <a:shade val="50000"/>
+            </a:schemeClr>
+          </a:lnRef>
+          <a:fillRef idx="1">
+            <a:schemeClr val="accent1"/>
+          </a:fillRef>
+          <a:effectRef idx="0">
+            <a:schemeClr val="accent1"/>
+          </a:effectRef>
+          <a:fontRef idx="minor">
+            <a:schemeClr val="lt1"/>
+          </a:fontRef>
+        </p:style>
+        <p:txBody>
+          <a:bodyPr rtlCol="0" anchor="ctr"/>
+          <a:lstStyle/>
+          <a:p>
+            <a:pPr algn="ctr"/>
+            <a:r>
+              <a:rPr lang="en-GB" dirty="0"/>
+              <a:t>Video from Camera</a:t>
+            </a:r>
+          </a:p>
+        </p:txBody>
+      </p:sp>
+      <p:sp>
+        <p:nvSpPr>
+          <p:cNvPr id="14" name="Rectangle: Rounded Corners 13">
+            <a:extLst>
+              <a:ext uri="{FF2B5EF4-FFF2-40B4-BE49-F238E27FC236}">
+                <a16:creationId xmlns:a16="http://schemas.microsoft.com/office/drawing/2014/main" id="{20792E82-8597-B117-AEC6-31D3253DA917}"/>
+              </a:ext>
+            </a:extLst>
+          </p:cNvPr>
+          <p:cNvSpPr/>
+          <p:nvPr/>
+        </p:nvSpPr>
+        <p:spPr>
+          <a:xfrm>
+            <a:off x="4378294" y="4927080"/>
+            <a:ext cx="1492345" cy="666696"/>
+          </a:xfrm>
+          <a:prstGeom prst="roundRect">
+            <a:avLst/>
+          </a:prstGeom>
+          <a:solidFill>
+            <a:schemeClr val="bg2">
+              <a:lumMod val="50000"/>
+            </a:schemeClr>
+          </a:solidFill>
+          <a:ln>
+            <a:noFill/>
+          </a:ln>
+        </p:spPr>
+        <p:style>
+          <a:lnRef idx="2">
+            <a:schemeClr val="accent1">
+              <a:shade val="50000"/>
+            </a:schemeClr>
+          </a:lnRef>
+          <a:fillRef idx="1">
+            <a:schemeClr val="accent1"/>
+          </a:fillRef>
+          <a:effectRef idx="0">
+            <a:schemeClr val="accent1"/>
+          </a:effectRef>
+          <a:fontRef idx="minor">
+            <a:schemeClr val="lt1"/>
+          </a:fontRef>
+        </p:style>
+        <p:txBody>
+          <a:bodyPr rtlCol="0" anchor="ctr"/>
+          <a:lstStyle/>
+          <a:p>
+            <a:pPr algn="ctr"/>
+            <a:r>
+              <a:rPr lang="en-GB" dirty="0"/>
+              <a:t>Take a photo</a:t>
+            </a:r>
+          </a:p>
+        </p:txBody>
+      </p:sp>
+    </p:spTree>
+    <p:extLst>
+      <p:ext uri="{BB962C8B-B14F-4D97-AF65-F5344CB8AC3E}">
+        <p14:creationId xmlns:p14="http://schemas.microsoft.com/office/powerpoint/2010/main" val="199066449"/>
       </p:ext>
     </p:extLst>
   </p:cSld>
